--- a/Presentations/Poster/Poster template two columns.pptx
+++ b/Presentations/Poster/Poster template two columns.pptx
@@ -24094,7 +24094,7 @@
           <a:bodyPr/>
           <a:lstStyle/>
           <a:p>
-            <a:endParaRPr lang="en-US"/>
+            <a:endParaRPr lang="en-US" dirty="0"/>
           </a:p>
         </p:txBody>
       </p:sp>
